--- a/DailyPlanner — интеллектуальный ежедневник.pptx
+++ b/DailyPlanner — интеллектуальный ежедневник.pptx
@@ -133,6 +133,35 @@
     </p:ext>
   </p:extLst>
 </p:presentation>
+</file>
+
+<file path=ppt/changesInfos/changesInfo1.xml><?xml version="1.0" encoding="utf-8"?>
+<pc:chgInfo xmlns:a="http://schemas.openxmlformats.org/drawingml/2006/main" xmlns:r="http://schemas.openxmlformats.org/officeDocument/2006/relationships" xmlns:ac="http://schemas.microsoft.com/office/drawing/2013/main/command" xmlns:pc="http://schemas.microsoft.com/office/powerpoint/2013/main/command">
+  <pc:docChgLst>
+    <pc:chgData name=". klient" userId="c98528ed3a9ff6bc" providerId="LiveId" clId="{6DF5D8B7-1570-403E-9D5E-C0FEC9D6610D}"/>
+    <pc:docChg chg="modSld">
+      <pc:chgData name=". klient" userId="c98528ed3a9ff6bc" providerId="LiveId" clId="{6DF5D8B7-1570-403E-9D5E-C0FEC9D6610D}" dt="2025-06-02T13:28:00.241" v="51" actId="20577"/>
+      <pc:docMkLst>
+        <pc:docMk/>
+      </pc:docMkLst>
+      <pc:sldChg chg="modSp mod">
+        <pc:chgData name=". klient" userId="c98528ed3a9ff6bc" providerId="LiveId" clId="{6DF5D8B7-1570-403E-9D5E-C0FEC9D6610D}" dt="2025-06-02T13:28:00.241" v="51" actId="20577"/>
+        <pc:sldMkLst>
+          <pc:docMk/>
+          <pc:sldMk cId="0" sldId="264"/>
+        </pc:sldMkLst>
+        <pc:spChg chg="mod">
+          <ac:chgData name=". klient" userId="c98528ed3a9ff6bc" providerId="LiveId" clId="{6DF5D8B7-1570-403E-9D5E-C0FEC9D6610D}" dt="2025-06-02T13:28:00.241" v="51" actId="20577"/>
+          <ac:spMkLst>
+            <pc:docMk/>
+            <pc:sldMk cId="0" sldId="264"/>
+            <ac:spMk id="3" creationId="{00000000-0000-0000-0000-000000000000}"/>
+          </ac:spMkLst>
+        </pc:spChg>
+      </pc:sldChg>
+    </pc:docChg>
+  </pc:docChgLst>
+</pc:chgInfo>
 </file>
 
 <file path=ppt/slideLayouts/slideLayout1.xml><?xml version="1.0" encoding="utf-8"?>
@@ -5290,7 +5319,7 @@
           <a:bodyPr/>
           <a:lstStyle/>
           <a:p>
-            <a:endParaRPr/>
+            <a:endParaRPr dirty="0"/>
           </a:p>
           <a:p>
             <a:pPr>
@@ -5301,8 +5330,26 @@
               </a:defRPr>
             </a:pPr>
             <a:r>
-              <a:t>MainActivity — точка входа</a:t>
-            </a:r>
+              <a:rPr dirty="0" err="1"/>
+              <a:t>MainActivity</a:t>
+            </a:r>
+            <a:r>
+              <a:rPr dirty="0"/>
+              <a:t> — </a:t>
+            </a:r>
+            <a:r>
+              <a:rPr dirty="0" err="1"/>
+              <a:t>точка</a:t>
+            </a:r>
+            <a:r>
+              <a:rPr dirty="0"/>
+              <a:t> </a:t>
+            </a:r>
+            <a:r>
+              <a:rPr dirty="0" err="1"/>
+              <a:t>входа</a:t>
+            </a:r>
+            <a:endParaRPr dirty="0"/>
           </a:p>
           <a:p>
             <a:pPr>
@@ -5313,8 +5360,26 @@
               </a:defRPr>
             </a:pPr>
             <a:r>
-              <a:t>CreateEventActivity — создание событий</a:t>
-            </a:r>
+              <a:rPr dirty="0" err="1"/>
+              <a:t>CreateEventActivity</a:t>
+            </a:r>
+            <a:r>
+              <a:rPr dirty="0"/>
+              <a:t> — </a:t>
+            </a:r>
+            <a:r>
+              <a:rPr dirty="0" err="1"/>
+              <a:t>создание</a:t>
+            </a:r>
+            <a:r>
+              <a:rPr dirty="0"/>
+              <a:t> </a:t>
+            </a:r>
+            <a:r>
+              <a:rPr dirty="0" err="1"/>
+              <a:t>событий</a:t>
+            </a:r>
+            <a:endParaRPr dirty="0"/>
           </a:p>
           <a:p>
             <a:pPr>
@@ -5325,8 +5390,34 @@
               </a:defRPr>
             </a:pPr>
             <a:r>
-              <a:t>EventAdapter, EventManager — управление данными</a:t>
-            </a:r>
+              <a:rPr dirty="0" err="1"/>
+              <a:t>EventAdapter</a:t>
+            </a:r>
+            <a:r>
+              <a:rPr dirty="0"/>
+              <a:t>, </a:t>
+            </a:r>
+            <a:r>
+              <a:rPr dirty="0" err="1"/>
+              <a:t>EventManager</a:t>
+            </a:r>
+            <a:r>
+              <a:rPr dirty="0"/>
+              <a:t> — </a:t>
+            </a:r>
+            <a:r>
+              <a:rPr dirty="0" err="1"/>
+              <a:t>управление</a:t>
+            </a:r>
+            <a:r>
+              <a:rPr dirty="0"/>
+              <a:t> </a:t>
+            </a:r>
+            <a:r>
+              <a:rPr dirty="0" err="1"/>
+              <a:t>данными</a:t>
+            </a:r>
+            <a:endParaRPr dirty="0"/>
           </a:p>
           <a:p>
             <a:pPr>
@@ -5337,8 +5428,18 @@
               </a:defRPr>
             </a:pPr>
             <a:r>
-              <a:t>SQLite или SharedPreferences</a:t>
-            </a:r>
+              <a:rPr dirty="0"/>
+              <a:t>SQLite </a:t>
+            </a:r>
+            <a:r>
+              <a:rPr lang="ru-RU" dirty="0"/>
+              <a:t>— </a:t>
+            </a:r>
+            <a:r>
+              <a:rPr lang="ru-RU"/>
+              <a:t>хранение данных</a:t>
+            </a:r>
+            <a:endParaRPr dirty="0"/>
           </a:p>
         </p:txBody>
       </p:sp>
